--- a/doc/01_勉強会まとめ資料/98_テンプレート/01_勉強会まとめ資料テンプレート【草案】.pptx
+++ b/doc/01_勉強会まとめ資料/98_テンプレート/01_勉強会まとめ資料テンプレート【草案】.pptx
@@ -186,73 +186,6 @@
       </p:sp>
       <p:sp>
         <p:nvSpPr>
-          <p:cNvPr id="3" name="サブタイトル 2"/>
-          <p:cNvSpPr>
-            <a:spLocks noGrp="1"/>
-          </p:cNvSpPr>
-          <p:nvPr>
-            <p:ph type="subTitle" idx="1" hasCustomPrompt="1"/>
-          </p:nvPr>
-        </p:nvSpPr>
-        <p:spPr>
-          <a:xfrm>
-            <a:off x="7277100" y="5222081"/>
-            <a:ext cx="4584700" cy="728663"/>
-          </a:xfrm>
-        </p:spPr>
-        <p:txBody>
-          <a:bodyPr>
-            <a:normAutofit/>
-          </a:bodyPr>
-          <a:lstStyle>
-            <a:lvl1pPr marL="0" indent="0" algn="ctr">
-              <a:buNone/>
-              <a:defRPr sz="1800"/>
-            </a:lvl1pPr>
-            <a:lvl2pPr marL="457200" indent="0" algn="ctr">
-              <a:buNone/>
-              <a:defRPr sz="2000"/>
-            </a:lvl2pPr>
-            <a:lvl3pPr marL="914400" indent="0" algn="ctr">
-              <a:buNone/>
-              <a:defRPr sz="1800"/>
-            </a:lvl3pPr>
-            <a:lvl4pPr marL="1371600" indent="0" algn="ctr">
-              <a:buNone/>
-              <a:defRPr sz="1600"/>
-            </a:lvl4pPr>
-            <a:lvl5pPr marL="1828800" indent="0" algn="ctr">
-              <a:buNone/>
-              <a:defRPr sz="1600"/>
-            </a:lvl5pPr>
-            <a:lvl6pPr marL="2286000" indent="0" algn="ctr">
-              <a:buNone/>
-              <a:defRPr sz="1600"/>
-            </a:lvl6pPr>
-            <a:lvl7pPr marL="2743200" indent="0" algn="ctr">
-              <a:buNone/>
-              <a:defRPr sz="1600"/>
-            </a:lvl7pPr>
-            <a:lvl8pPr marL="3200400" indent="0" algn="ctr">
-              <a:buNone/>
-              <a:defRPr sz="1600"/>
-            </a:lvl8pPr>
-            <a:lvl9pPr marL="3657600" indent="0" algn="ctr">
-              <a:buNone/>
-              <a:defRPr sz="1600"/>
-            </a:lvl9pPr>
-          </a:lstStyle>
-          <a:p>
-            <a:r>
-              <a:rPr kumimoji="1" lang="ja-JP" altLang="en-US" dirty="0" smtClean="0"/>
-              <a:t>株式会社システムアイ</a:t>
-            </a:r>
-            <a:endParaRPr kumimoji="1" lang="ja-JP" altLang="en-US" dirty="0"/>
-          </a:p>
-        </p:txBody>
-      </p:sp>
-      <p:sp>
-        <p:nvSpPr>
           <p:cNvPr id="4" name="日付プレースホルダー 3"/>
           <p:cNvSpPr>
             <a:spLocks noGrp="1"/>
@@ -470,6 +403,105 @@
           </a:p>
         </p:txBody>
       </p:sp>
+      <p:sp>
+        <p:nvSpPr>
+          <p:cNvPr id="10" name="正方形/長方形 9"/>
+          <p:cNvSpPr/>
+          <p:nvPr userDrawn="1"/>
+        </p:nvSpPr>
+        <p:spPr>
+          <a:xfrm>
+            <a:off x="9029700" y="4806951"/>
+            <a:ext cx="2832100" cy="779461"/>
+          </a:xfrm>
+          <a:prstGeom prst="rect">
+            <a:avLst/>
+          </a:prstGeom>
+          <a:noFill/>
+          <a:ln>
+            <a:noFill/>
+          </a:ln>
+        </p:spPr>
+        <p:style>
+          <a:lnRef idx="2">
+            <a:schemeClr val="accent1">
+              <a:shade val="50000"/>
+            </a:schemeClr>
+          </a:lnRef>
+          <a:fillRef idx="1">
+            <a:schemeClr val="accent1"/>
+          </a:fillRef>
+          <a:effectRef idx="0">
+            <a:schemeClr val="accent1"/>
+          </a:effectRef>
+          <a:fontRef idx="minor">
+            <a:schemeClr val="lt1"/>
+          </a:fontRef>
+        </p:style>
+        <p:txBody>
+          <a:bodyPr rtlCol="0" anchor="ctr"/>
+          <a:lstStyle/>
+          <a:p>
+            <a:pPr marL="0" marR="0" lvl="0" indent="0" algn="l" defTabSz="914400" rtl="0" eaLnBrk="1" fontAlgn="auto" latinLnBrk="0" hangingPunct="1">
+              <a:lnSpc>
+                <a:spcPct val="100000"/>
+              </a:lnSpc>
+              <a:spcBef>
+                <a:spcPts val="0"/>
+              </a:spcBef>
+              <a:spcAft>
+                <a:spcPts val="0"/>
+              </a:spcAft>
+              <a:buClrTx/>
+              <a:buSzTx/>
+              <a:buFontTx/>
+              <a:buNone/>
+              <a:tabLst/>
+              <a:defRPr/>
+            </a:pPr>
+            <a:r>
+              <a:rPr kumimoji="1" lang="ja-JP" altLang="en-US" sz="2000" dirty="0" smtClean="0">
+                <a:solidFill>
+                  <a:schemeClr val="tx1"/>
+                </a:solidFill>
+                <a:latin typeface="+mn-ea"/>
+                <a:ea typeface="+mn-ea"/>
+              </a:rPr>
+              <a:t>株式会社システムアイ</a:t>
+            </a:r>
+          </a:p>
+        </p:txBody>
+      </p:sp>
+      <p:pic>
+        <p:nvPicPr>
+          <p:cNvPr id="13" name="図 12"/>
+          <p:cNvPicPr>
+            <a:picLocks noChangeAspect="1"/>
+          </p:cNvPicPr>
+          <p:nvPr userDrawn="1"/>
+        </p:nvPicPr>
+        <p:blipFill>
+          <a:blip r:embed="rId2">
+            <a:extLst>
+              <a:ext uri="{28A0092B-C50C-407E-A947-70E740481C1C}">
+                <a14:useLocalDpi xmlns:a14="http://schemas.microsoft.com/office/drawing/2010/main" val="0"/>
+              </a:ext>
+            </a:extLst>
+          </a:blip>
+          <a:stretch>
+            <a:fillRect/>
+          </a:stretch>
+        </p:blipFill>
+        <p:spPr>
+          <a:xfrm>
+            <a:off x="8348662" y="4934743"/>
+            <a:ext cx="523875" cy="523875"/>
+          </a:xfrm>
+          <a:prstGeom prst="rect">
+            <a:avLst/>
+          </a:prstGeom>
+        </p:spPr>
+      </p:pic>
     </p:spTree>
     <p:extLst>
       <p:ext uri="{BB962C8B-B14F-4D97-AF65-F5344CB8AC3E}">
@@ -2172,25 +2204,6 @@
       </p:grpSpPr>
       <p:sp>
         <p:nvSpPr>
-          <p:cNvPr id="2" name="サブタイトル 1"/>
-          <p:cNvSpPr>
-            <a:spLocks noGrp="1"/>
-          </p:cNvSpPr>
-          <p:nvPr>
-            <p:ph type="subTitle" idx="1"/>
-          </p:nvPr>
-        </p:nvSpPr>
-        <p:spPr/>
-        <p:txBody>
-          <a:bodyPr/>
-          <a:lstStyle/>
-          <a:p>
-            <a:endParaRPr kumimoji="1" lang="ja-JP" altLang="en-US"/>
-          </a:p>
-        </p:txBody>
-      </p:sp>
-      <p:sp>
-        <p:nvSpPr>
           <p:cNvPr id="3" name="コンテンツ プレースホルダー 2"/>
           <p:cNvSpPr>
             <a:spLocks noGrp="1"/>

--- a/doc/01_勉強会まとめ資料/98_テンプレート/01_勉強会まとめ資料テンプレート【草案】.pptx
+++ b/doc/01_勉強会まとめ資料/98_テンプレート/01_勉強会まとめ資料テンプレート【草案】.pptx
@@ -1177,7 +1177,7 @@
 </file>
 
 <file path=ppt/slideLayouts/slideLayout4.xml><?xml version="1.0" encoding="utf-8"?>
-<p:sldLayout xmlns:a="http://schemas.openxmlformats.org/drawingml/2006/main" xmlns:r="http://schemas.openxmlformats.org/officeDocument/2006/relationships" xmlns:p="http://schemas.openxmlformats.org/presentationml/2006/main" type="titleOnly" preserve="1">
+<p:sldLayout xmlns:a="http://schemas.openxmlformats.org/drawingml/2006/main" xmlns:r="http://schemas.openxmlformats.org/officeDocument/2006/relationships" xmlns:p="http://schemas.openxmlformats.org/presentationml/2006/main" preserve="1" userDrawn="1">
   <p:cSld name="タイトルのみ">
     <p:spTree>
       <p:nvGrpSpPr>
@@ -1278,6 +1278,113 @@
               <a:t>‹#›</a:t>
             </a:fld>
             <a:endParaRPr kumimoji="1" lang="ja-JP" altLang="en-US"/>
+          </a:p>
+        </p:txBody>
+      </p:sp>
+      <p:sp>
+        <p:nvSpPr>
+          <p:cNvPr id="6" name="コンテンツ プレースホルダー 8"/>
+          <p:cNvSpPr>
+            <a:spLocks noGrp="1"/>
+          </p:cNvSpPr>
+          <p:nvPr>
+            <p:ph sz="quarter" idx="13"/>
+          </p:nvPr>
+        </p:nvSpPr>
+        <p:spPr>
+          <a:xfrm>
+            <a:off x="431799" y="1054100"/>
+            <a:ext cx="11379201" cy="800099"/>
+          </a:xfrm>
+          <a:solidFill>
+            <a:schemeClr val="accent1">
+              <a:lumMod val="20000"/>
+              <a:lumOff val="80000"/>
+            </a:schemeClr>
+          </a:solidFill>
+        </p:spPr>
+        <p:style>
+          <a:lnRef idx="2">
+            <a:schemeClr val="accent1"/>
+          </a:lnRef>
+          <a:fillRef idx="1">
+            <a:schemeClr val="lt1"/>
+          </a:fillRef>
+          <a:effectRef idx="0">
+            <a:schemeClr val="accent1"/>
+          </a:effectRef>
+          <a:fontRef idx="none"/>
+        </p:style>
+        <p:txBody>
+          <a:bodyPr/>
+          <a:lstStyle/>
+          <a:p>
+            <a:pPr lvl="0"/>
+            <a:r>
+              <a:rPr kumimoji="1" lang="ja-JP" altLang="en-US" dirty="0" smtClean="0"/>
+              <a:t>マスター テキストの書式設定</a:t>
+            </a:r>
+          </a:p>
+          <a:p>
+            <a:pPr lvl="1"/>
+            <a:r>
+              <a:rPr kumimoji="1" lang="ja-JP" altLang="en-US" dirty="0" smtClean="0"/>
+              <a:t>第 </a:t>
+            </a:r>
+            <a:r>
+              <a:rPr kumimoji="1" lang="en-US" altLang="ja-JP" dirty="0" smtClean="0"/>
+              <a:t>2 </a:t>
+            </a:r>
+            <a:r>
+              <a:rPr kumimoji="1" lang="ja-JP" altLang="en-US" dirty="0" smtClean="0"/>
+              <a:t>レベル</a:t>
+            </a:r>
+          </a:p>
+          <a:p>
+            <a:pPr lvl="2"/>
+            <a:r>
+              <a:rPr kumimoji="1" lang="ja-JP" altLang="en-US" dirty="0" smtClean="0"/>
+              <a:t>第 </a:t>
+            </a:r>
+            <a:r>
+              <a:rPr kumimoji="1" lang="en-US" altLang="ja-JP" dirty="0" smtClean="0"/>
+              <a:t>3 </a:t>
+            </a:r>
+            <a:r>
+              <a:rPr kumimoji="1" lang="ja-JP" altLang="en-US" dirty="0" smtClean="0"/>
+              <a:t>レベル</a:t>
+            </a:r>
+          </a:p>
+          <a:p>
+            <a:pPr lvl="3"/>
+            <a:r>
+              <a:rPr kumimoji="1" lang="ja-JP" altLang="en-US" dirty="0" smtClean="0"/>
+              <a:t>第 </a:t>
+            </a:r>
+            <a:r>
+              <a:rPr kumimoji="1" lang="en-US" altLang="ja-JP" dirty="0" smtClean="0"/>
+              <a:t>4 </a:t>
+            </a:r>
+            <a:r>
+              <a:rPr kumimoji="1" lang="ja-JP" altLang="en-US" dirty="0" smtClean="0"/>
+              <a:t>レベル</a:t>
+            </a:r>
+          </a:p>
+          <a:p>
+            <a:pPr lvl="4"/>
+            <a:r>
+              <a:rPr kumimoji="1" lang="ja-JP" altLang="en-US" dirty="0" smtClean="0"/>
+              <a:t>第 </a:t>
+            </a:r>
+            <a:r>
+              <a:rPr kumimoji="1" lang="en-US" altLang="ja-JP" dirty="0" smtClean="0"/>
+              <a:t>5 </a:t>
+            </a:r>
+            <a:r>
+              <a:rPr kumimoji="1" lang="ja-JP" altLang="en-US" dirty="0" smtClean="0"/>
+              <a:t>レベル</a:t>
+            </a:r>
+            <a:endParaRPr kumimoji="1" lang="ja-JP" altLang="en-US" dirty="0"/>
           </a:p>
         </p:txBody>
       </p:sp>
